--- a/docs/testresults.pptx
+++ b/docs/testresults.pptx
@@ -206,7 +206,7 @@
           <a:p>
             <a:fld id="{B3F1A923-F909-45A2-B399-A6A200795FAF}" type="datetimeFigureOut">
               <a:rPr lang="en-US" smtClean="0"/>
-              <a:t>6/4/2022</a:t>
+              <a:t>6/6/2022</a:t>
             </a:fld>
             <a:endParaRPr lang="en-US"/>
           </a:p>
@@ -1559,6 +1559,41 @@
               <a:t>What are the costs of keeping data in storage?</a:t>
             </a:r>
           </a:p>
+          <a:p>
+            <a:pPr marL="628650" lvl="1" indent="-171450">
+              <a:buFontTx/>
+              <a:buChar char="-"/>
+            </a:pPr>
+            <a:r>
+              <a:rPr lang="en-US" dirty="0"/>
+              <a:t>Looking through the docs it’s about $0.02 per GB making it about $690 /day per petabyte.</a:t>
+            </a:r>
+          </a:p>
+          <a:p>
+            <a:pPr marL="628650" lvl="1" indent="-171450">
+              <a:buFontTx/>
+              <a:buChar char="-"/>
+            </a:pPr>
+            <a:r>
+              <a:rPr lang="en-US" dirty="0"/>
+              <a:t>Tests had about 3PB in storage and soft delete was not initially disabled so they remained. Is that added to costs?</a:t>
+            </a:r>
+          </a:p>
+          <a:p>
+            <a:pPr marL="628650" lvl="1" indent="-171450">
+              <a:buFontTx/>
+              <a:buChar char="-"/>
+            </a:pPr>
+            <a:r>
+              <a:rPr lang="en-US" dirty="0"/>
+              <a:t>How much do the transactions and storage really cost? I think I’m on a pay </a:t>
+            </a:r>
+            <a:r>
+              <a:rPr lang="en-US"/>
+              <a:t>as you go plan?</a:t>
+            </a:r>
+            <a:endParaRPr lang="en-US" dirty="0"/>
+          </a:p>
         </p:txBody>
       </p:sp>
       <p:sp>
@@ -1744,7 +1779,7 @@
           <a:p>
             <a:fld id="{97B8839B-A770-41FB-B816-4F7C8CBB1951}" type="datetimeFigureOut">
               <a:rPr lang="en-US" smtClean="0"/>
-              <a:t>6/4/2022</a:t>
+              <a:t>6/6/2022</a:t>
             </a:fld>
             <a:endParaRPr lang="en-US"/>
           </a:p>
@@ -1942,7 +1977,7 @@
           <a:p>
             <a:fld id="{97B8839B-A770-41FB-B816-4F7C8CBB1951}" type="datetimeFigureOut">
               <a:rPr lang="en-US" smtClean="0"/>
-              <a:t>6/4/2022</a:t>
+              <a:t>6/6/2022</a:t>
             </a:fld>
             <a:endParaRPr lang="en-US"/>
           </a:p>
@@ -2150,7 +2185,7 @@
           <a:p>
             <a:fld id="{97B8839B-A770-41FB-B816-4F7C8CBB1951}" type="datetimeFigureOut">
               <a:rPr lang="en-US" smtClean="0"/>
-              <a:t>6/4/2022</a:t>
+              <a:t>6/6/2022</a:t>
             </a:fld>
             <a:endParaRPr lang="en-US"/>
           </a:p>
@@ -2348,7 +2383,7 @@
           <a:p>
             <a:fld id="{97B8839B-A770-41FB-B816-4F7C8CBB1951}" type="datetimeFigureOut">
               <a:rPr lang="en-US" smtClean="0"/>
-              <a:t>6/4/2022</a:t>
+              <a:t>6/6/2022</a:t>
             </a:fld>
             <a:endParaRPr lang="en-US"/>
           </a:p>
@@ -2623,7 +2658,7 @@
           <a:p>
             <a:fld id="{97B8839B-A770-41FB-B816-4F7C8CBB1951}" type="datetimeFigureOut">
               <a:rPr lang="en-US" smtClean="0"/>
-              <a:t>6/4/2022</a:t>
+              <a:t>6/6/2022</a:t>
             </a:fld>
             <a:endParaRPr lang="en-US"/>
           </a:p>
@@ -2888,7 +2923,7 @@
           <a:p>
             <a:fld id="{97B8839B-A770-41FB-B816-4F7C8CBB1951}" type="datetimeFigureOut">
               <a:rPr lang="en-US" smtClean="0"/>
-              <a:t>6/4/2022</a:t>
+              <a:t>6/6/2022</a:t>
             </a:fld>
             <a:endParaRPr lang="en-US"/>
           </a:p>
@@ -3300,7 +3335,7 @@
           <a:p>
             <a:fld id="{97B8839B-A770-41FB-B816-4F7C8CBB1951}" type="datetimeFigureOut">
               <a:rPr lang="en-US" smtClean="0"/>
-              <a:t>6/4/2022</a:t>
+              <a:t>6/6/2022</a:t>
             </a:fld>
             <a:endParaRPr lang="en-US"/>
           </a:p>
@@ -3441,7 +3476,7 @@
           <a:p>
             <a:fld id="{97B8839B-A770-41FB-B816-4F7C8CBB1951}" type="datetimeFigureOut">
               <a:rPr lang="en-US" smtClean="0"/>
-              <a:t>6/4/2022</a:t>
+              <a:t>6/6/2022</a:t>
             </a:fld>
             <a:endParaRPr lang="en-US"/>
           </a:p>
@@ -3554,7 +3589,7 @@
           <a:p>
             <a:fld id="{97B8839B-A770-41FB-B816-4F7C8CBB1951}" type="datetimeFigureOut">
               <a:rPr lang="en-US" smtClean="0"/>
-              <a:t>6/4/2022</a:t>
+              <a:t>6/6/2022</a:t>
             </a:fld>
             <a:endParaRPr lang="en-US"/>
           </a:p>
@@ -3865,7 +3900,7 @@
           <a:p>
             <a:fld id="{97B8839B-A770-41FB-B816-4F7C8CBB1951}" type="datetimeFigureOut">
               <a:rPr lang="en-US" smtClean="0"/>
-              <a:t>6/4/2022</a:t>
+              <a:t>6/6/2022</a:t>
             </a:fld>
             <a:endParaRPr lang="en-US"/>
           </a:p>
@@ -4153,7 +4188,7 @@
           <a:p>
             <a:fld id="{97B8839B-A770-41FB-B816-4F7C8CBB1951}" type="datetimeFigureOut">
               <a:rPr lang="en-US" smtClean="0"/>
-              <a:t>6/4/2022</a:t>
+              <a:t>6/6/2022</a:t>
             </a:fld>
             <a:endParaRPr lang="en-US"/>
           </a:p>
@@ -4394,7 +4429,7 @@
           <a:p>
             <a:fld id="{97B8839B-A770-41FB-B816-4F7C8CBB1951}" type="datetimeFigureOut">
               <a:rPr lang="en-US" smtClean="0"/>
-              <a:t>6/4/2022</a:t>
+              <a:t>6/6/2022</a:t>
             </a:fld>
             <a:endParaRPr lang="en-US"/>
           </a:p>
@@ -4955,10 +4990,10 @@
       </p:sp>
       <p:pic>
         <p:nvPicPr>
-          <p:cNvPr id="9" name="Picture 8">
-            <a:extLst>
-              <a:ext uri="{FF2B5EF4-FFF2-40B4-BE49-F238E27FC236}">
-                <a16:creationId xmlns:a16="http://schemas.microsoft.com/office/drawing/2014/main" id="{6D8C2811-5DB7-FBB9-6009-6457D20AD694}"/>
+          <p:cNvPr id="5" name="Picture 4">
+            <a:extLst>
+              <a:ext uri="{FF2B5EF4-FFF2-40B4-BE49-F238E27FC236}">
+                <a16:creationId xmlns:a16="http://schemas.microsoft.com/office/drawing/2014/main" id="{90394270-4CFE-C63D-FDAE-039CB8B4415A}"/>
               </a:ext>
             </a:extLst>
           </p:cNvPr>
@@ -4975,8 +5010,8 @@
         </p:blipFill>
         <p:spPr>
           <a:xfrm>
-            <a:off x="2262909" y="2310575"/>
-            <a:ext cx="6932996" cy="3866388"/>
+            <a:off x="1668630" y="2307536"/>
+            <a:ext cx="8854739" cy="4087266"/>
           </a:xfrm>
           <a:prstGeom prst="rect">
             <a:avLst/>
